--- a/Documents/First-Review-PPT-Format-01.02.2017.pptx
+++ b/Documents/First-Review-PPT-Format-01.02.2017.pptx
@@ -4043,14 +4043,7 @@
                 <a:latin typeface="Times New Roman" pitchFamily="18" charset="0"/>
                 <a:cs typeface="Times New Roman" pitchFamily="18" charset="0"/>
               </a:rPr>
-              <a:t>HOD </a:t>
-            </a:r>
-            <a:r>
-              <a:rPr lang="en-US" sz="2800" b="1" dirty="0">
-                <a:latin typeface="Times New Roman" pitchFamily="18" charset="0"/>
-                <a:cs typeface="Times New Roman" pitchFamily="18" charset="0"/>
-              </a:rPr>
-              <a:t>MODULE - EXPLANATION</a:t>
+              <a:t>HOD MODULE - EXPLANATION</a:t>
             </a:r>
           </a:p>
         </p:txBody>
@@ -4349,36 +4342,74 @@
             <p:ph idx="1"/>
           </p:nvPr>
         </p:nvSpPr>
-        <p:spPr/>
-        <p:txBody>
-          <a:bodyPr/>
-          <a:lstStyle/>
-          <a:p>
-            <a:r>
-              <a:rPr lang="en-US" sz="1800">
-                <a:latin typeface="Times New Roman" pitchFamily="18" charset="0"/>
-                <a:cs typeface="Times New Roman" pitchFamily="18" charset="0"/>
-              </a:rPr>
-              <a:t>Advisors </a:t>
-            </a:r>
+        <p:spPr>
+          <a:xfrm>
+            <a:off x="441960" y="2332037"/>
+            <a:ext cx="8229600" cy="4525963"/>
+          </a:xfrm>
+        </p:spPr>
+        <p:txBody>
+          <a:bodyPr/>
+          <a:lstStyle/>
+          <a:p>
+            <a:pPr algn="just"/>
             <a:r>
               <a:rPr lang="en-US" sz="1800" dirty="0">
                 <a:latin typeface="Times New Roman" pitchFamily="18" charset="0"/>
                 <a:cs typeface="Times New Roman" pitchFamily="18" charset="0"/>
               </a:rPr>
-              <a:t>can add subject handling faculties for </a:t>
-            </a:r>
-            <a:r>
-              <a:rPr lang="en-US" sz="1800">
+              <a:t>Advisors can add subject handling faculties for their class.</a:t>
+            </a:r>
+          </a:p>
+          <a:p>
+            <a:pPr algn="just"/>
+            <a:r>
+              <a:rPr lang="en-US" sz="1800" dirty="0">
                 <a:latin typeface="Times New Roman" pitchFamily="18" charset="0"/>
                 <a:cs typeface="Times New Roman" pitchFamily="18" charset="0"/>
               </a:rPr>
-              <a:t>their class.</a:t>
-            </a:r>
-            <a:endParaRPr lang="en-US" sz="1800" dirty="0">
-              <a:latin typeface="Times New Roman" pitchFamily="18" charset="0"/>
-              <a:cs typeface="Times New Roman" pitchFamily="18" charset="0"/>
-            </a:endParaRPr>
+              <a:t>Only added faculties can update marks for their subjects.</a:t>
+            </a:r>
+          </a:p>
+          <a:p>
+            <a:pPr algn="just"/>
+            <a:r>
+              <a:rPr lang="en-US" sz="1800" dirty="0">
+                <a:latin typeface="Times New Roman" pitchFamily="18" charset="0"/>
+                <a:cs typeface="Times New Roman" pitchFamily="18" charset="0"/>
+              </a:rPr>
+              <a:t>Advisors can update students personal details.</a:t>
+            </a:r>
+          </a:p>
+          <a:p>
+            <a:pPr algn="just"/>
+            <a:r>
+              <a:rPr lang="en-US" sz="1800" dirty="0">
+                <a:latin typeface="Times New Roman" pitchFamily="18" charset="0"/>
+                <a:cs typeface="Times New Roman" pitchFamily="18" charset="0"/>
+              </a:rPr>
+              <a:t>If the advisor is also a subject handling faculty , he / she also can update marks for their handling class.</a:t>
+            </a:r>
+          </a:p>
+          <a:p>
+            <a:pPr algn="just"/>
+            <a:r>
+              <a:rPr lang="en-US" sz="1800" dirty="0">
+                <a:latin typeface="Times New Roman" pitchFamily="18" charset="0"/>
+                <a:cs typeface="Times New Roman" pitchFamily="18" charset="0"/>
+              </a:rPr>
+              <a:t>Advisors can generate  report in the preferred way.</a:t>
+            </a:r>
+          </a:p>
+          <a:p>
+            <a:pPr algn="just"/>
+            <a:r>
+              <a:rPr lang="en-US" sz="1800" dirty="0">
+                <a:latin typeface="Times New Roman" pitchFamily="18" charset="0"/>
+                <a:cs typeface="Times New Roman" pitchFamily="18" charset="0"/>
+              </a:rPr>
+              <a:t>Advisors can also analyze marks of students. </a:t>
+            </a:r>
           </a:p>
         </p:txBody>
       </p:sp>
@@ -4555,32 +4586,7 @@
                 <a:latin typeface="Times New Roman" pitchFamily="18" charset="0"/>
                 <a:cs typeface="Times New Roman" pitchFamily="18" charset="0"/>
               </a:rPr>
-              <a:t>MODULE 4 Explanation with its diagram</a:t>
-            </a:r>
-          </a:p>
-        </p:txBody>
-      </p:sp>
-      <p:sp>
-        <p:nvSpPr>
-          <p:cNvPr id="3" name="Content Placeholder 2"/>
-          <p:cNvSpPr>
-            <a:spLocks noGrp="1"/>
-          </p:cNvSpPr>
-          <p:nvPr>
-            <p:ph idx="1"/>
-          </p:nvPr>
-        </p:nvSpPr>
-        <p:spPr/>
-        <p:txBody>
-          <a:bodyPr/>
-          <a:lstStyle/>
-          <a:p>
-            <a:r>
-              <a:rPr lang="en-US" sz="1800" dirty="0">
-                <a:latin typeface="Times New Roman" pitchFamily="18" charset="0"/>
-                <a:cs typeface="Times New Roman" pitchFamily="18" charset="0"/>
-              </a:rPr>
-              <a:t>&lt;Times New Roman SIZE : 18&gt;</a:t>
+              <a:t>SUBJECT_HANDLING_FACULTY MODULE</a:t>
             </a:r>
           </a:p>
         </p:txBody>
@@ -4706,6 +4712,59 @@
           </a:p>
         </p:txBody>
       </p:sp>
+      <p:sp>
+        <p:nvSpPr>
+          <p:cNvPr id="9" name="Content Placeholder 8"/>
+          <p:cNvSpPr>
+            <a:spLocks noGrp="1"/>
+          </p:cNvSpPr>
+          <p:nvPr>
+            <p:ph idx="1"/>
+          </p:nvPr>
+        </p:nvSpPr>
+        <p:spPr>
+          <a:xfrm>
+            <a:off x="457200" y="2842418"/>
+            <a:ext cx="8229600" cy="4525963"/>
+          </a:xfrm>
+        </p:spPr>
+        <p:txBody>
+          <a:bodyPr>
+            <a:normAutofit/>
+          </a:bodyPr>
+          <a:lstStyle/>
+          <a:p>
+            <a:pPr algn="just"/>
+            <a:r>
+              <a:rPr lang="en-IN" sz="1800" dirty="0">
+                <a:latin typeface="Times New Roman" pitchFamily="18" charset="0"/>
+                <a:cs typeface="Times New Roman" pitchFamily="18" charset="0"/>
+              </a:rPr>
+              <a:t>Subject handling faculties can update marks for their handling class.</a:t>
+            </a:r>
+          </a:p>
+          <a:p>
+            <a:pPr algn="just"/>
+            <a:r>
+              <a:rPr lang="en-IN" sz="1800" dirty="0">
+                <a:latin typeface="Times New Roman" pitchFamily="18" charset="0"/>
+                <a:cs typeface="Times New Roman" pitchFamily="18" charset="0"/>
+              </a:rPr>
+              <a:t>Subject handling faculties can analyse marks for  their handled subjects to view overall progress.</a:t>
+            </a:r>
+          </a:p>
+          <a:p>
+            <a:pPr algn="just"/>
+            <a:r>
+              <a:rPr lang="en-IN" sz="1800" dirty="0">
+                <a:latin typeface="Times New Roman" pitchFamily="18" charset="0"/>
+                <a:cs typeface="Times New Roman" pitchFamily="18" charset="0"/>
+              </a:rPr>
+              <a:t>Subject handling faculties can pass information if any to students in the given way. </a:t>
+            </a:r>
+          </a:p>
+        </p:txBody>
+      </p:sp>
     </p:spTree>
     <p:extLst>
       <p:ext uri="{BB962C8B-B14F-4D97-AF65-F5344CB8AC3E}">
@@ -6143,7 +6202,7 @@
       </p:sp>
       <p:pic>
         <p:nvPicPr>
-          <p:cNvPr id="8" name="Picture 7"/>
+          <p:cNvPr id="3" name="Picture 2"/>
           <p:cNvPicPr>
             <a:picLocks noChangeAspect="1"/>
           </p:cNvPicPr>
@@ -6163,8 +6222,8 @@
         </p:blipFill>
         <p:spPr>
           <a:xfrm>
-            <a:off x="-113640" y="1506226"/>
-            <a:ext cx="9181440" cy="4513574"/>
+            <a:off x="-119439" y="1447800"/>
+            <a:ext cx="9263439" cy="4664261"/>
           </a:xfrm>
           <a:prstGeom prst="rect">
             <a:avLst/>
@@ -6211,7 +6270,12 @@
             <p:ph type="title"/>
           </p:nvPr>
         </p:nvSpPr>
-        <p:spPr/>
+        <p:spPr>
+          <a:xfrm>
+            <a:off x="457200" y="274638"/>
+            <a:ext cx="8229600" cy="1143000"/>
+          </a:xfrm>
+        </p:spPr>
         <p:txBody>
           <a:bodyPr>
             <a:normAutofit/>
@@ -6224,31 +6288,6 @@
                 <a:cs typeface="Times New Roman" pitchFamily="18" charset="0"/>
               </a:rPr>
               <a:t>MODULES USED</a:t>
-            </a:r>
-          </a:p>
-        </p:txBody>
-      </p:sp>
-      <p:sp>
-        <p:nvSpPr>
-          <p:cNvPr id="3" name="Content Placeholder 2"/>
-          <p:cNvSpPr>
-            <a:spLocks noGrp="1"/>
-          </p:cNvSpPr>
-          <p:nvPr>
-            <p:ph idx="1"/>
-          </p:nvPr>
-        </p:nvSpPr>
-        <p:spPr/>
-        <p:txBody>
-          <a:bodyPr/>
-          <a:lstStyle/>
-          <a:p>
-            <a:r>
-              <a:rPr lang="en-US" sz="1800" dirty="0">
-                <a:latin typeface="Times New Roman" pitchFamily="18" charset="0"/>
-                <a:cs typeface="Times New Roman" pitchFamily="18" charset="0"/>
-              </a:rPr>
-              <a:t>&lt;diagram&gt;</a:t>
             </a:r>
           </a:p>
         </p:txBody>
@@ -6374,6 +6413,162 @@
           </a:p>
         </p:txBody>
       </p:sp>
+      <p:sp>
+        <p:nvSpPr>
+          <p:cNvPr id="14" name="Title 1"/>
+          <p:cNvSpPr txBox="1">
+            <a:spLocks/>
+          </p:cNvSpPr>
+          <p:nvPr/>
+        </p:nvSpPr>
+        <p:spPr>
+          <a:xfrm>
+            <a:off x="457200" y="274638"/>
+            <a:ext cx="8229600" cy="1143000"/>
+          </a:xfrm>
+          <a:prstGeom prst="rect">
+            <a:avLst/>
+          </a:prstGeom>
+        </p:spPr>
+        <p:txBody>
+          <a:bodyPr vert="horz" lIns="91440" tIns="45720" rIns="91440" bIns="45720" rtlCol="0" anchor="ctr">
+            <a:normAutofit/>
+          </a:bodyPr>
+          <a:lstStyle>
+            <a:lvl1pPr algn="ctr" defTabSz="914400" rtl="0" eaLnBrk="1" latinLnBrk="0" hangingPunct="1">
+              <a:spcBef>
+                <a:spcPct val="0"/>
+              </a:spcBef>
+              <a:buNone/>
+              <a:defRPr sz="4400" kern="1200">
+                <a:solidFill>
+                  <a:schemeClr val="tx1"/>
+                </a:solidFill>
+                <a:latin typeface="+mj-lt"/>
+                <a:ea typeface="+mj-ea"/>
+                <a:cs typeface="+mj-cs"/>
+              </a:defRPr>
+            </a:lvl1pPr>
+          </a:lstStyle>
+          <a:p>
+            <a:r>
+              <a:rPr lang="en-US" sz="2800" b="1" dirty="0">
+                <a:latin typeface="Times New Roman" pitchFamily="18" charset="0"/>
+                <a:cs typeface="Times New Roman" pitchFamily="18" charset="0"/>
+              </a:rPr>
+              <a:t>ADVISORS</a:t>
+            </a:r>
+          </a:p>
+        </p:txBody>
+      </p:sp>
+      <p:pic>
+        <p:nvPicPr>
+          <p:cNvPr id="15" name="Picture 14"/>
+          <p:cNvPicPr>
+            <a:picLocks noChangeAspect="1"/>
+          </p:cNvPicPr>
+          <p:nvPr/>
+        </p:nvPicPr>
+        <p:blipFill>
+          <a:blip r:embed="rId3" cstate="print">
+            <a:extLst>
+              <a:ext uri="{28A0092B-C50C-407E-A947-70E740481C1C}">
+                <a14:useLocalDpi xmlns:a14="http://schemas.microsoft.com/office/drawing/2010/main" val="0"/>
+              </a:ext>
+            </a:extLst>
+          </a:blip>
+          <a:stretch>
+            <a:fillRect/>
+          </a:stretch>
+        </p:blipFill>
+        <p:spPr>
+          <a:xfrm>
+            <a:off x="-121920" y="1600200"/>
+            <a:ext cx="9113520" cy="3505200"/>
+          </a:xfrm>
+          <a:prstGeom prst="rect">
+            <a:avLst/>
+          </a:prstGeom>
+        </p:spPr>
+      </p:pic>
+      <p:sp>
+        <p:nvSpPr>
+          <p:cNvPr id="16" name="Title 1"/>
+          <p:cNvSpPr txBox="1">
+            <a:spLocks/>
+          </p:cNvSpPr>
+          <p:nvPr/>
+        </p:nvSpPr>
+        <p:spPr>
+          <a:xfrm>
+            <a:off x="377952" y="282104"/>
+            <a:ext cx="8229600" cy="1143000"/>
+          </a:xfrm>
+          <a:prstGeom prst="rect">
+            <a:avLst/>
+          </a:prstGeom>
+        </p:spPr>
+        <p:txBody>
+          <a:bodyPr vert="horz" lIns="91440" tIns="45720" rIns="91440" bIns="45720" rtlCol="0" anchor="ctr">
+            <a:normAutofit/>
+          </a:bodyPr>
+          <a:lstStyle>
+            <a:lvl1pPr algn="ctr" defTabSz="914400" rtl="0" eaLnBrk="1" latinLnBrk="0" hangingPunct="1">
+              <a:spcBef>
+                <a:spcPct val="0"/>
+              </a:spcBef>
+              <a:buNone/>
+              <a:defRPr sz="4400" kern="1200">
+                <a:solidFill>
+                  <a:schemeClr val="tx1"/>
+                </a:solidFill>
+                <a:latin typeface="+mj-lt"/>
+                <a:ea typeface="+mj-ea"/>
+                <a:cs typeface="+mj-cs"/>
+              </a:defRPr>
+            </a:lvl1pPr>
+          </a:lstStyle>
+          <a:p>
+            <a:r>
+              <a:rPr lang="en-US" sz="2800" b="1" dirty="0">
+                <a:latin typeface="Times New Roman" pitchFamily="18" charset="0"/>
+                <a:cs typeface="Times New Roman" pitchFamily="18" charset="0"/>
+              </a:rPr>
+              <a:t>COE</a:t>
+            </a:r>
+          </a:p>
+        </p:txBody>
+      </p:sp>
+      <p:pic>
+        <p:nvPicPr>
+          <p:cNvPr id="17" name="Picture 16"/>
+          <p:cNvPicPr>
+            <a:picLocks noChangeAspect="1"/>
+          </p:cNvPicPr>
+          <p:nvPr/>
+        </p:nvPicPr>
+        <p:blipFill>
+          <a:blip r:embed="rId4" cstate="print">
+            <a:extLst>
+              <a:ext uri="{28A0092B-C50C-407E-A947-70E740481C1C}">
+                <a14:useLocalDpi xmlns:a14="http://schemas.microsoft.com/office/drawing/2010/main" val="0"/>
+              </a:ext>
+            </a:extLst>
+          </a:blip>
+          <a:stretch>
+            <a:fillRect/>
+          </a:stretch>
+        </p:blipFill>
+        <p:spPr>
+          <a:xfrm>
+            <a:off x="-152400" y="1752600"/>
+            <a:ext cx="9144000" cy="3352800"/>
+          </a:xfrm>
+          <a:prstGeom prst="rect">
+            <a:avLst/>
+          </a:prstGeom>
+        </p:spPr>
+      </p:pic>
     </p:spTree>
     <p:extLst>
       <p:ext uri="{BB962C8B-B14F-4D97-AF65-F5344CB8AC3E}">
@@ -6384,6 +6579,422 @@
   <p:clrMapOvr>
     <a:masterClrMapping/>
   </p:clrMapOvr>
+  <p:timing>
+    <p:tnLst>
+      <p:par>
+        <p:cTn id="1" dur="indefinite" restart="never" nodeType="tmRoot">
+          <p:childTnLst>
+            <p:seq concurrent="1" nextAc="seek">
+              <p:cTn id="2" dur="indefinite" nodeType="mainSeq">
+                <p:childTnLst>
+                  <p:par>
+                    <p:cTn id="3" fill="hold">
+                      <p:stCondLst>
+                        <p:cond delay="indefinite"/>
+                      </p:stCondLst>
+                      <p:childTnLst>
+                        <p:par>
+                          <p:cTn id="4" fill="hold">
+                            <p:stCondLst>
+                              <p:cond delay="0"/>
+                            </p:stCondLst>
+                            <p:childTnLst>
+                              <p:par>
+                                <p:cTn id="5" presetID="1" presetClass="entr" presetSubtype="0" fill="hold" grpId="0" nodeType="clickEffect">
+                                  <p:stCondLst>
+                                    <p:cond delay="0"/>
+                                  </p:stCondLst>
+                                  <p:childTnLst>
+                                    <p:set>
+                                      <p:cBhvr>
+                                        <p:cTn id="6" dur="1" fill="hold">
+                                          <p:stCondLst>
+                                            <p:cond delay="0"/>
+                                          </p:stCondLst>
+                                        </p:cTn>
+                                        <p:tgtEl>
+                                          <p:spTgt spid="2"/>
+                                        </p:tgtEl>
+                                        <p:attrNameLst>
+                                          <p:attrName>style.visibility</p:attrName>
+                                        </p:attrNameLst>
+                                      </p:cBhvr>
+                                      <p:to>
+                                        <p:strVal val="visible"/>
+                                      </p:to>
+                                    </p:set>
+                                  </p:childTnLst>
+                                </p:cTn>
+                              </p:par>
+                            </p:childTnLst>
+                          </p:cTn>
+                        </p:par>
+                      </p:childTnLst>
+                    </p:cTn>
+                  </p:par>
+                  <p:par>
+                    <p:cTn id="7" fill="hold">
+                      <p:stCondLst>
+                        <p:cond delay="indefinite"/>
+                      </p:stCondLst>
+                      <p:childTnLst>
+                        <p:par>
+                          <p:cTn id="8" fill="hold">
+                            <p:stCondLst>
+                              <p:cond delay="0"/>
+                            </p:stCondLst>
+                            <p:childTnLst>
+                              <p:par>
+                                <p:cTn id="9" presetID="1" presetClass="exit" presetSubtype="0" fill="hold" grpId="1" nodeType="clickEffect">
+                                  <p:stCondLst>
+                                    <p:cond delay="0"/>
+                                  </p:stCondLst>
+                                  <p:childTnLst>
+                                    <p:set>
+                                      <p:cBhvr>
+                                        <p:cTn id="10" dur="1" fill="hold">
+                                          <p:stCondLst>
+                                            <p:cond delay="0"/>
+                                          </p:stCondLst>
+                                        </p:cTn>
+                                        <p:tgtEl>
+                                          <p:spTgt spid="2"/>
+                                        </p:tgtEl>
+                                        <p:attrNameLst>
+                                          <p:attrName>style.visibility</p:attrName>
+                                        </p:attrNameLst>
+                                      </p:cBhvr>
+                                      <p:to>
+                                        <p:strVal val="hidden"/>
+                                      </p:to>
+                                    </p:set>
+                                  </p:childTnLst>
+                                </p:cTn>
+                              </p:par>
+                            </p:childTnLst>
+                          </p:cTn>
+                        </p:par>
+                      </p:childTnLst>
+                    </p:cTn>
+                  </p:par>
+                  <p:par>
+                    <p:cTn id="11" fill="hold">
+                      <p:stCondLst>
+                        <p:cond delay="indefinite"/>
+                      </p:stCondLst>
+                      <p:childTnLst>
+                        <p:par>
+                          <p:cTn id="12" fill="hold">
+                            <p:stCondLst>
+                              <p:cond delay="0"/>
+                            </p:stCondLst>
+                            <p:childTnLst>
+                              <p:par>
+                                <p:cTn id="13" presetID="1" presetClass="entr" presetSubtype="0" fill="hold" nodeType="clickEffect">
+                                  <p:stCondLst>
+                                    <p:cond delay="0"/>
+                                  </p:stCondLst>
+                                  <p:childTnLst>
+                                    <p:set>
+                                      <p:cBhvr>
+                                        <p:cTn id="14" dur="1" fill="hold">
+                                          <p:stCondLst>
+                                            <p:cond delay="0"/>
+                                          </p:stCondLst>
+                                        </p:cTn>
+                                        <p:tgtEl>
+                                          <p:spTgt spid="15"/>
+                                        </p:tgtEl>
+                                        <p:attrNameLst>
+                                          <p:attrName>style.visibility</p:attrName>
+                                        </p:attrNameLst>
+                                      </p:cBhvr>
+                                      <p:to>
+                                        <p:strVal val="visible"/>
+                                      </p:to>
+                                    </p:set>
+                                  </p:childTnLst>
+                                </p:cTn>
+                              </p:par>
+                              <p:par>
+                                <p:cTn id="15" presetID="1" presetClass="entr" presetSubtype="0" fill="hold" grpId="0" nodeType="withEffect">
+                                  <p:stCondLst>
+                                    <p:cond delay="0"/>
+                                  </p:stCondLst>
+                                  <p:childTnLst>
+                                    <p:set>
+                                      <p:cBhvr>
+                                        <p:cTn id="16" dur="1" fill="hold">
+                                          <p:stCondLst>
+                                            <p:cond delay="0"/>
+                                          </p:stCondLst>
+                                        </p:cTn>
+                                        <p:tgtEl>
+                                          <p:spTgt spid="14"/>
+                                        </p:tgtEl>
+                                        <p:attrNameLst>
+                                          <p:attrName>style.visibility</p:attrName>
+                                        </p:attrNameLst>
+                                      </p:cBhvr>
+                                      <p:to>
+                                        <p:strVal val="visible"/>
+                                      </p:to>
+                                    </p:set>
+                                  </p:childTnLst>
+                                </p:cTn>
+                              </p:par>
+                            </p:childTnLst>
+                          </p:cTn>
+                        </p:par>
+                      </p:childTnLst>
+                    </p:cTn>
+                  </p:par>
+                  <p:par>
+                    <p:cTn id="17" fill="hold">
+                      <p:stCondLst>
+                        <p:cond delay="indefinite"/>
+                      </p:stCondLst>
+                      <p:childTnLst>
+                        <p:par>
+                          <p:cTn id="18" fill="hold">
+                            <p:stCondLst>
+                              <p:cond delay="0"/>
+                            </p:stCondLst>
+                            <p:childTnLst>
+                              <p:par>
+                                <p:cTn id="19" presetID="1" presetClass="exit" presetSubtype="0" fill="hold" nodeType="clickEffect">
+                                  <p:stCondLst>
+                                    <p:cond delay="0"/>
+                                  </p:stCondLst>
+                                  <p:childTnLst>
+                                    <p:set>
+                                      <p:cBhvr>
+                                        <p:cTn id="20" dur="1" fill="hold">
+                                          <p:stCondLst>
+                                            <p:cond delay="0"/>
+                                          </p:stCondLst>
+                                        </p:cTn>
+                                        <p:tgtEl>
+                                          <p:spTgt spid="15"/>
+                                        </p:tgtEl>
+                                        <p:attrNameLst>
+                                          <p:attrName>style.visibility</p:attrName>
+                                        </p:attrNameLst>
+                                      </p:cBhvr>
+                                      <p:to>
+                                        <p:strVal val="hidden"/>
+                                      </p:to>
+                                    </p:set>
+                                  </p:childTnLst>
+                                </p:cTn>
+                              </p:par>
+                              <p:par>
+                                <p:cTn id="21" presetID="1" presetClass="exit" presetSubtype="0" fill="hold" grpId="1" nodeType="withEffect">
+                                  <p:stCondLst>
+                                    <p:cond delay="0"/>
+                                  </p:stCondLst>
+                                  <p:childTnLst>
+                                    <p:set>
+                                      <p:cBhvr>
+                                        <p:cTn id="22" dur="1" fill="hold">
+                                          <p:stCondLst>
+                                            <p:cond delay="0"/>
+                                          </p:stCondLst>
+                                        </p:cTn>
+                                        <p:tgtEl>
+                                          <p:spTgt spid="14"/>
+                                        </p:tgtEl>
+                                        <p:attrNameLst>
+                                          <p:attrName>style.visibility</p:attrName>
+                                        </p:attrNameLst>
+                                      </p:cBhvr>
+                                      <p:to>
+                                        <p:strVal val="hidden"/>
+                                      </p:to>
+                                    </p:set>
+                                  </p:childTnLst>
+                                </p:cTn>
+                              </p:par>
+                            </p:childTnLst>
+                          </p:cTn>
+                        </p:par>
+                      </p:childTnLst>
+                    </p:cTn>
+                  </p:par>
+                  <p:par>
+                    <p:cTn id="23" fill="hold">
+                      <p:stCondLst>
+                        <p:cond delay="indefinite"/>
+                      </p:stCondLst>
+                      <p:childTnLst>
+                        <p:par>
+                          <p:cTn id="24" fill="hold">
+                            <p:stCondLst>
+                              <p:cond delay="0"/>
+                            </p:stCondLst>
+                            <p:childTnLst>
+                              <p:par>
+                                <p:cTn id="25" presetID="1" presetClass="entr" presetSubtype="0" fill="hold" grpId="0" nodeType="clickEffect">
+                                  <p:stCondLst>
+                                    <p:cond delay="0"/>
+                                  </p:stCondLst>
+                                  <p:childTnLst>
+                                    <p:set>
+                                      <p:cBhvr>
+                                        <p:cTn id="26" dur="1" fill="hold">
+                                          <p:stCondLst>
+                                            <p:cond delay="0"/>
+                                          </p:stCondLst>
+                                        </p:cTn>
+                                        <p:tgtEl>
+                                          <p:spTgt spid="16"/>
+                                        </p:tgtEl>
+                                        <p:attrNameLst>
+                                          <p:attrName>style.visibility</p:attrName>
+                                        </p:attrNameLst>
+                                      </p:cBhvr>
+                                      <p:to>
+                                        <p:strVal val="visible"/>
+                                      </p:to>
+                                    </p:set>
+                                  </p:childTnLst>
+                                </p:cTn>
+                              </p:par>
+                              <p:par>
+                                <p:cTn id="27" presetID="1" presetClass="entr" presetSubtype="0" fill="hold" nodeType="withEffect">
+                                  <p:stCondLst>
+                                    <p:cond delay="0"/>
+                                  </p:stCondLst>
+                                  <p:childTnLst>
+                                    <p:set>
+                                      <p:cBhvr>
+                                        <p:cTn id="28" dur="1" fill="hold">
+                                          <p:stCondLst>
+                                            <p:cond delay="0"/>
+                                          </p:stCondLst>
+                                        </p:cTn>
+                                        <p:tgtEl>
+                                          <p:spTgt spid="17"/>
+                                        </p:tgtEl>
+                                        <p:attrNameLst>
+                                          <p:attrName>style.visibility</p:attrName>
+                                        </p:attrNameLst>
+                                      </p:cBhvr>
+                                      <p:to>
+                                        <p:strVal val="visible"/>
+                                      </p:to>
+                                    </p:set>
+                                  </p:childTnLst>
+                                </p:cTn>
+                              </p:par>
+                            </p:childTnLst>
+                          </p:cTn>
+                        </p:par>
+                      </p:childTnLst>
+                    </p:cTn>
+                  </p:par>
+                  <p:par>
+                    <p:cTn id="29" fill="hold">
+                      <p:stCondLst>
+                        <p:cond delay="indefinite"/>
+                      </p:stCondLst>
+                      <p:childTnLst>
+                        <p:par>
+                          <p:cTn id="30" fill="hold">
+                            <p:stCondLst>
+                              <p:cond delay="0"/>
+                            </p:stCondLst>
+                            <p:childTnLst>
+                              <p:par>
+                                <p:cTn id="31" presetID="1" presetClass="exit" presetSubtype="0" fill="hold" grpId="1" nodeType="clickEffect">
+                                  <p:stCondLst>
+                                    <p:cond delay="0"/>
+                                  </p:stCondLst>
+                                  <p:childTnLst>
+                                    <p:set>
+                                      <p:cBhvr>
+                                        <p:cTn id="32" dur="1" fill="hold">
+                                          <p:stCondLst>
+                                            <p:cond delay="0"/>
+                                          </p:stCondLst>
+                                        </p:cTn>
+                                        <p:tgtEl>
+                                          <p:spTgt spid="16"/>
+                                        </p:tgtEl>
+                                        <p:attrNameLst>
+                                          <p:attrName>style.visibility</p:attrName>
+                                        </p:attrNameLst>
+                                      </p:cBhvr>
+                                      <p:to>
+                                        <p:strVal val="hidden"/>
+                                      </p:to>
+                                    </p:set>
+                                  </p:childTnLst>
+                                </p:cTn>
+                              </p:par>
+                              <p:par>
+                                <p:cTn id="33" presetID="1" presetClass="exit" presetSubtype="0" fill="hold" nodeType="withEffect">
+                                  <p:stCondLst>
+                                    <p:cond delay="0"/>
+                                  </p:stCondLst>
+                                  <p:childTnLst>
+                                    <p:set>
+                                      <p:cBhvr>
+                                        <p:cTn id="34" dur="1" fill="hold">
+                                          <p:stCondLst>
+                                            <p:cond delay="0"/>
+                                          </p:stCondLst>
+                                        </p:cTn>
+                                        <p:tgtEl>
+                                          <p:spTgt spid="17"/>
+                                        </p:tgtEl>
+                                        <p:attrNameLst>
+                                          <p:attrName>style.visibility</p:attrName>
+                                        </p:attrNameLst>
+                                      </p:cBhvr>
+                                      <p:to>
+                                        <p:strVal val="hidden"/>
+                                      </p:to>
+                                    </p:set>
+                                  </p:childTnLst>
+                                </p:cTn>
+                              </p:par>
+                            </p:childTnLst>
+                          </p:cTn>
+                        </p:par>
+                      </p:childTnLst>
+                    </p:cTn>
+                  </p:par>
+                </p:childTnLst>
+              </p:cTn>
+              <p:prevCondLst>
+                <p:cond evt="onPrev" delay="0">
+                  <p:tgtEl>
+                    <p:sldTgt/>
+                  </p:tgtEl>
+                </p:cond>
+              </p:prevCondLst>
+              <p:nextCondLst>
+                <p:cond evt="onNext" delay="0">
+                  <p:tgtEl>
+                    <p:sldTgt/>
+                  </p:tgtEl>
+                </p:cond>
+              </p:nextCondLst>
+            </p:seq>
+          </p:childTnLst>
+        </p:cTn>
+      </p:par>
+    </p:tnLst>
+    <p:bldLst>
+      <p:bldP spid="2" grpId="0"/>
+      <p:bldP spid="2" grpId="1"/>
+      <p:bldP spid="14" grpId="0"/>
+      <p:bldP spid="14" grpId="1"/>
+      <p:bldP spid="16" grpId="0"/>
+      <p:bldP spid="16" grpId="1"/>
+    </p:bldLst>
+  </p:timing>
 </p:sld>
 </file>
 
@@ -6427,31 +7038,6 @@
                 <a:cs typeface="Times New Roman" pitchFamily="18" charset="0"/>
               </a:rPr>
               <a:t>MODULES USED</a:t>
-            </a:r>
-          </a:p>
-        </p:txBody>
-      </p:sp>
-      <p:sp>
-        <p:nvSpPr>
-          <p:cNvPr id="3" name="Content Placeholder 2"/>
-          <p:cNvSpPr>
-            <a:spLocks noGrp="1"/>
-          </p:cNvSpPr>
-          <p:nvPr>
-            <p:ph idx="1"/>
-          </p:nvPr>
-        </p:nvSpPr>
-        <p:spPr/>
-        <p:txBody>
-          <a:bodyPr/>
-          <a:lstStyle/>
-          <a:p>
-            <a:r>
-              <a:rPr lang="en-US" sz="1800" dirty="0">
-                <a:latin typeface="Times New Roman" pitchFamily="18" charset="0"/>
-                <a:cs typeface="Times New Roman" pitchFamily="18" charset="0"/>
-              </a:rPr>
-              <a:t>&lt;diagram&gt;</a:t>
             </a:r>
           </a:p>
         </p:txBody>
@@ -6577,6 +7163,162 @@
           </a:p>
         </p:txBody>
       </p:sp>
+      <p:sp>
+        <p:nvSpPr>
+          <p:cNvPr id="8" name="Title 1"/>
+          <p:cNvSpPr txBox="1">
+            <a:spLocks/>
+          </p:cNvSpPr>
+          <p:nvPr/>
+        </p:nvSpPr>
+        <p:spPr>
+          <a:xfrm>
+            <a:off x="496824" y="269735"/>
+            <a:ext cx="8229600" cy="1143000"/>
+          </a:xfrm>
+          <a:prstGeom prst="rect">
+            <a:avLst/>
+          </a:prstGeom>
+        </p:spPr>
+        <p:txBody>
+          <a:bodyPr vert="horz" lIns="91440" tIns="45720" rIns="91440" bIns="45720" rtlCol="0" anchor="ctr">
+            <a:normAutofit/>
+          </a:bodyPr>
+          <a:lstStyle>
+            <a:lvl1pPr algn="ctr" defTabSz="914400" rtl="0" eaLnBrk="1" latinLnBrk="0" hangingPunct="1">
+              <a:spcBef>
+                <a:spcPct val="0"/>
+              </a:spcBef>
+              <a:buNone/>
+              <a:defRPr sz="4400" kern="1200">
+                <a:solidFill>
+                  <a:schemeClr val="tx1"/>
+                </a:solidFill>
+                <a:latin typeface="+mj-lt"/>
+                <a:ea typeface="+mj-ea"/>
+                <a:cs typeface="+mj-cs"/>
+              </a:defRPr>
+            </a:lvl1pPr>
+          </a:lstStyle>
+          <a:p>
+            <a:r>
+              <a:rPr lang="en-US" sz="2800" b="1" dirty="0">
+                <a:latin typeface="Times New Roman" pitchFamily="18" charset="0"/>
+                <a:cs typeface="Times New Roman" pitchFamily="18" charset="0"/>
+              </a:rPr>
+              <a:t>HOD MODULE</a:t>
+            </a:r>
+          </a:p>
+        </p:txBody>
+      </p:sp>
+      <p:pic>
+        <p:nvPicPr>
+          <p:cNvPr id="9" name="Picture 8"/>
+          <p:cNvPicPr>
+            <a:picLocks noChangeAspect="1"/>
+          </p:cNvPicPr>
+          <p:nvPr/>
+        </p:nvPicPr>
+        <p:blipFill>
+          <a:blip r:embed="rId3" cstate="print">
+            <a:extLst>
+              <a:ext uri="{28A0092B-C50C-407E-A947-70E740481C1C}">
+                <a14:useLocalDpi xmlns:a14="http://schemas.microsoft.com/office/drawing/2010/main" val="0"/>
+              </a:ext>
+            </a:extLst>
+          </a:blip>
+          <a:stretch>
+            <a:fillRect/>
+          </a:stretch>
+        </p:blipFill>
+        <p:spPr>
+          <a:xfrm>
+            <a:off x="-152400" y="1774584"/>
+            <a:ext cx="9144000" cy="4224819"/>
+          </a:xfrm>
+          <a:prstGeom prst="rect">
+            <a:avLst/>
+          </a:prstGeom>
+        </p:spPr>
+      </p:pic>
+      <p:sp>
+        <p:nvSpPr>
+          <p:cNvPr id="10" name="Title 1"/>
+          <p:cNvSpPr txBox="1">
+            <a:spLocks/>
+          </p:cNvSpPr>
+          <p:nvPr/>
+        </p:nvSpPr>
+        <p:spPr>
+          <a:xfrm>
+            <a:off x="548640" y="279541"/>
+            <a:ext cx="8229600" cy="1143000"/>
+          </a:xfrm>
+          <a:prstGeom prst="rect">
+            <a:avLst/>
+          </a:prstGeom>
+        </p:spPr>
+        <p:txBody>
+          <a:bodyPr vert="horz" lIns="91440" tIns="45720" rIns="91440" bIns="45720" rtlCol="0" anchor="ctr">
+            <a:normAutofit/>
+          </a:bodyPr>
+          <a:lstStyle>
+            <a:lvl1pPr algn="ctr" defTabSz="914400" rtl="0" eaLnBrk="1" latinLnBrk="0" hangingPunct="1">
+              <a:spcBef>
+                <a:spcPct val="0"/>
+              </a:spcBef>
+              <a:buNone/>
+              <a:defRPr sz="4400" kern="1200">
+                <a:solidFill>
+                  <a:schemeClr val="tx1"/>
+                </a:solidFill>
+                <a:latin typeface="+mj-lt"/>
+                <a:ea typeface="+mj-ea"/>
+                <a:cs typeface="+mj-cs"/>
+              </a:defRPr>
+            </a:lvl1pPr>
+          </a:lstStyle>
+          <a:p>
+            <a:r>
+              <a:rPr lang="en-US" sz="2800" b="1" dirty="0">
+                <a:latin typeface="Times New Roman" pitchFamily="18" charset="0"/>
+                <a:cs typeface="Times New Roman" pitchFamily="18" charset="0"/>
+              </a:rPr>
+              <a:t>SUBJECT_HANDLING_FACULTY MODULE</a:t>
+            </a:r>
+          </a:p>
+        </p:txBody>
+      </p:sp>
+      <p:pic>
+        <p:nvPicPr>
+          <p:cNvPr id="11" name="Picture 10"/>
+          <p:cNvPicPr>
+            <a:picLocks noChangeAspect="1"/>
+          </p:cNvPicPr>
+          <p:nvPr/>
+        </p:nvPicPr>
+        <p:blipFill>
+          <a:blip r:embed="rId4" cstate="print">
+            <a:extLst>
+              <a:ext uri="{28A0092B-C50C-407E-A947-70E740481C1C}">
+                <a14:useLocalDpi xmlns:a14="http://schemas.microsoft.com/office/drawing/2010/main" val="0"/>
+              </a:ext>
+            </a:extLst>
+          </a:blip>
+          <a:stretch>
+            <a:fillRect/>
+          </a:stretch>
+        </p:blipFill>
+        <p:spPr>
+          <a:xfrm>
+            <a:off x="0" y="1893741"/>
+            <a:ext cx="9144000" cy="3821259"/>
+          </a:xfrm>
+          <a:prstGeom prst="rect">
+            <a:avLst/>
+          </a:prstGeom>
+        </p:spPr>
+      </p:pic>
     </p:spTree>
     <p:extLst>
       <p:ext uri="{BB962C8B-B14F-4D97-AF65-F5344CB8AC3E}">
@@ -6587,6 +7329,422 @@
   <p:clrMapOvr>
     <a:masterClrMapping/>
   </p:clrMapOvr>
+  <p:timing>
+    <p:tnLst>
+      <p:par>
+        <p:cTn id="1" dur="indefinite" restart="never" nodeType="tmRoot">
+          <p:childTnLst>
+            <p:seq concurrent="1" nextAc="seek">
+              <p:cTn id="2" dur="indefinite" nodeType="mainSeq">
+                <p:childTnLst>
+                  <p:par>
+                    <p:cTn id="3" fill="hold">
+                      <p:stCondLst>
+                        <p:cond delay="indefinite"/>
+                      </p:stCondLst>
+                      <p:childTnLst>
+                        <p:par>
+                          <p:cTn id="4" fill="hold">
+                            <p:stCondLst>
+                              <p:cond delay="0"/>
+                            </p:stCondLst>
+                            <p:childTnLst>
+                              <p:par>
+                                <p:cTn id="5" presetID="1" presetClass="entr" presetSubtype="0" fill="hold" grpId="0" nodeType="clickEffect">
+                                  <p:stCondLst>
+                                    <p:cond delay="0"/>
+                                  </p:stCondLst>
+                                  <p:childTnLst>
+                                    <p:set>
+                                      <p:cBhvr>
+                                        <p:cTn id="6" dur="1" fill="hold">
+                                          <p:stCondLst>
+                                            <p:cond delay="0"/>
+                                          </p:stCondLst>
+                                        </p:cTn>
+                                        <p:tgtEl>
+                                          <p:spTgt spid="2"/>
+                                        </p:tgtEl>
+                                        <p:attrNameLst>
+                                          <p:attrName>style.visibility</p:attrName>
+                                        </p:attrNameLst>
+                                      </p:cBhvr>
+                                      <p:to>
+                                        <p:strVal val="visible"/>
+                                      </p:to>
+                                    </p:set>
+                                  </p:childTnLst>
+                                </p:cTn>
+                              </p:par>
+                            </p:childTnLst>
+                          </p:cTn>
+                        </p:par>
+                      </p:childTnLst>
+                    </p:cTn>
+                  </p:par>
+                  <p:par>
+                    <p:cTn id="7" fill="hold">
+                      <p:stCondLst>
+                        <p:cond delay="indefinite"/>
+                      </p:stCondLst>
+                      <p:childTnLst>
+                        <p:par>
+                          <p:cTn id="8" fill="hold">
+                            <p:stCondLst>
+                              <p:cond delay="0"/>
+                            </p:stCondLst>
+                            <p:childTnLst>
+                              <p:par>
+                                <p:cTn id="9" presetID="1" presetClass="exit" presetSubtype="0" fill="hold" grpId="1" nodeType="clickEffect">
+                                  <p:stCondLst>
+                                    <p:cond delay="0"/>
+                                  </p:stCondLst>
+                                  <p:childTnLst>
+                                    <p:set>
+                                      <p:cBhvr>
+                                        <p:cTn id="10" dur="1" fill="hold">
+                                          <p:stCondLst>
+                                            <p:cond delay="0"/>
+                                          </p:stCondLst>
+                                        </p:cTn>
+                                        <p:tgtEl>
+                                          <p:spTgt spid="2"/>
+                                        </p:tgtEl>
+                                        <p:attrNameLst>
+                                          <p:attrName>style.visibility</p:attrName>
+                                        </p:attrNameLst>
+                                      </p:cBhvr>
+                                      <p:to>
+                                        <p:strVal val="hidden"/>
+                                      </p:to>
+                                    </p:set>
+                                  </p:childTnLst>
+                                </p:cTn>
+                              </p:par>
+                            </p:childTnLst>
+                          </p:cTn>
+                        </p:par>
+                      </p:childTnLst>
+                    </p:cTn>
+                  </p:par>
+                  <p:par>
+                    <p:cTn id="11" fill="hold">
+                      <p:stCondLst>
+                        <p:cond delay="indefinite"/>
+                      </p:stCondLst>
+                      <p:childTnLst>
+                        <p:par>
+                          <p:cTn id="12" fill="hold">
+                            <p:stCondLst>
+                              <p:cond delay="0"/>
+                            </p:stCondLst>
+                            <p:childTnLst>
+                              <p:par>
+                                <p:cTn id="13" presetID="1" presetClass="entr" presetSubtype="0" fill="hold" nodeType="clickEffect">
+                                  <p:stCondLst>
+                                    <p:cond delay="0"/>
+                                  </p:stCondLst>
+                                  <p:childTnLst>
+                                    <p:set>
+                                      <p:cBhvr>
+                                        <p:cTn id="14" dur="1" fill="hold">
+                                          <p:stCondLst>
+                                            <p:cond delay="0"/>
+                                          </p:stCondLst>
+                                        </p:cTn>
+                                        <p:tgtEl>
+                                          <p:spTgt spid="9"/>
+                                        </p:tgtEl>
+                                        <p:attrNameLst>
+                                          <p:attrName>style.visibility</p:attrName>
+                                        </p:attrNameLst>
+                                      </p:cBhvr>
+                                      <p:to>
+                                        <p:strVal val="visible"/>
+                                      </p:to>
+                                    </p:set>
+                                  </p:childTnLst>
+                                </p:cTn>
+                              </p:par>
+                              <p:par>
+                                <p:cTn id="15" presetID="1" presetClass="entr" presetSubtype="0" fill="hold" grpId="0" nodeType="withEffect">
+                                  <p:stCondLst>
+                                    <p:cond delay="0"/>
+                                  </p:stCondLst>
+                                  <p:childTnLst>
+                                    <p:set>
+                                      <p:cBhvr>
+                                        <p:cTn id="16" dur="1" fill="hold">
+                                          <p:stCondLst>
+                                            <p:cond delay="0"/>
+                                          </p:stCondLst>
+                                        </p:cTn>
+                                        <p:tgtEl>
+                                          <p:spTgt spid="8"/>
+                                        </p:tgtEl>
+                                        <p:attrNameLst>
+                                          <p:attrName>style.visibility</p:attrName>
+                                        </p:attrNameLst>
+                                      </p:cBhvr>
+                                      <p:to>
+                                        <p:strVal val="visible"/>
+                                      </p:to>
+                                    </p:set>
+                                  </p:childTnLst>
+                                </p:cTn>
+                              </p:par>
+                            </p:childTnLst>
+                          </p:cTn>
+                        </p:par>
+                      </p:childTnLst>
+                    </p:cTn>
+                  </p:par>
+                  <p:par>
+                    <p:cTn id="17" fill="hold">
+                      <p:stCondLst>
+                        <p:cond delay="indefinite"/>
+                      </p:stCondLst>
+                      <p:childTnLst>
+                        <p:par>
+                          <p:cTn id="18" fill="hold">
+                            <p:stCondLst>
+                              <p:cond delay="0"/>
+                            </p:stCondLst>
+                            <p:childTnLst>
+                              <p:par>
+                                <p:cTn id="19" presetID="1" presetClass="exit" presetSubtype="0" fill="hold" nodeType="clickEffect">
+                                  <p:stCondLst>
+                                    <p:cond delay="0"/>
+                                  </p:stCondLst>
+                                  <p:childTnLst>
+                                    <p:set>
+                                      <p:cBhvr>
+                                        <p:cTn id="20" dur="1" fill="hold">
+                                          <p:stCondLst>
+                                            <p:cond delay="0"/>
+                                          </p:stCondLst>
+                                        </p:cTn>
+                                        <p:tgtEl>
+                                          <p:spTgt spid="9"/>
+                                        </p:tgtEl>
+                                        <p:attrNameLst>
+                                          <p:attrName>style.visibility</p:attrName>
+                                        </p:attrNameLst>
+                                      </p:cBhvr>
+                                      <p:to>
+                                        <p:strVal val="hidden"/>
+                                      </p:to>
+                                    </p:set>
+                                  </p:childTnLst>
+                                </p:cTn>
+                              </p:par>
+                              <p:par>
+                                <p:cTn id="21" presetID="1" presetClass="exit" presetSubtype="0" fill="hold" grpId="1" nodeType="withEffect">
+                                  <p:stCondLst>
+                                    <p:cond delay="0"/>
+                                  </p:stCondLst>
+                                  <p:childTnLst>
+                                    <p:set>
+                                      <p:cBhvr>
+                                        <p:cTn id="22" dur="1" fill="hold">
+                                          <p:stCondLst>
+                                            <p:cond delay="0"/>
+                                          </p:stCondLst>
+                                        </p:cTn>
+                                        <p:tgtEl>
+                                          <p:spTgt spid="8"/>
+                                        </p:tgtEl>
+                                        <p:attrNameLst>
+                                          <p:attrName>style.visibility</p:attrName>
+                                        </p:attrNameLst>
+                                      </p:cBhvr>
+                                      <p:to>
+                                        <p:strVal val="hidden"/>
+                                      </p:to>
+                                    </p:set>
+                                  </p:childTnLst>
+                                </p:cTn>
+                              </p:par>
+                            </p:childTnLst>
+                          </p:cTn>
+                        </p:par>
+                      </p:childTnLst>
+                    </p:cTn>
+                  </p:par>
+                  <p:par>
+                    <p:cTn id="23" fill="hold">
+                      <p:stCondLst>
+                        <p:cond delay="indefinite"/>
+                      </p:stCondLst>
+                      <p:childTnLst>
+                        <p:par>
+                          <p:cTn id="24" fill="hold">
+                            <p:stCondLst>
+                              <p:cond delay="0"/>
+                            </p:stCondLst>
+                            <p:childTnLst>
+                              <p:par>
+                                <p:cTn id="25" presetID="1" presetClass="entr" presetSubtype="0" fill="hold" grpId="0" nodeType="clickEffect">
+                                  <p:stCondLst>
+                                    <p:cond delay="0"/>
+                                  </p:stCondLst>
+                                  <p:childTnLst>
+                                    <p:set>
+                                      <p:cBhvr>
+                                        <p:cTn id="26" dur="1" fill="hold">
+                                          <p:stCondLst>
+                                            <p:cond delay="0"/>
+                                          </p:stCondLst>
+                                        </p:cTn>
+                                        <p:tgtEl>
+                                          <p:spTgt spid="10"/>
+                                        </p:tgtEl>
+                                        <p:attrNameLst>
+                                          <p:attrName>style.visibility</p:attrName>
+                                        </p:attrNameLst>
+                                      </p:cBhvr>
+                                      <p:to>
+                                        <p:strVal val="visible"/>
+                                      </p:to>
+                                    </p:set>
+                                  </p:childTnLst>
+                                </p:cTn>
+                              </p:par>
+                              <p:par>
+                                <p:cTn id="27" presetID="1" presetClass="entr" presetSubtype="0" fill="hold" nodeType="withEffect">
+                                  <p:stCondLst>
+                                    <p:cond delay="0"/>
+                                  </p:stCondLst>
+                                  <p:childTnLst>
+                                    <p:set>
+                                      <p:cBhvr>
+                                        <p:cTn id="28" dur="1" fill="hold">
+                                          <p:stCondLst>
+                                            <p:cond delay="0"/>
+                                          </p:stCondLst>
+                                        </p:cTn>
+                                        <p:tgtEl>
+                                          <p:spTgt spid="11"/>
+                                        </p:tgtEl>
+                                        <p:attrNameLst>
+                                          <p:attrName>style.visibility</p:attrName>
+                                        </p:attrNameLst>
+                                      </p:cBhvr>
+                                      <p:to>
+                                        <p:strVal val="visible"/>
+                                      </p:to>
+                                    </p:set>
+                                  </p:childTnLst>
+                                </p:cTn>
+                              </p:par>
+                            </p:childTnLst>
+                          </p:cTn>
+                        </p:par>
+                      </p:childTnLst>
+                    </p:cTn>
+                  </p:par>
+                  <p:par>
+                    <p:cTn id="29" fill="hold">
+                      <p:stCondLst>
+                        <p:cond delay="indefinite"/>
+                      </p:stCondLst>
+                      <p:childTnLst>
+                        <p:par>
+                          <p:cTn id="30" fill="hold">
+                            <p:stCondLst>
+                              <p:cond delay="0"/>
+                            </p:stCondLst>
+                            <p:childTnLst>
+                              <p:par>
+                                <p:cTn id="31" presetID="1" presetClass="exit" presetSubtype="0" fill="hold" grpId="1" nodeType="clickEffect">
+                                  <p:stCondLst>
+                                    <p:cond delay="0"/>
+                                  </p:stCondLst>
+                                  <p:childTnLst>
+                                    <p:set>
+                                      <p:cBhvr>
+                                        <p:cTn id="32" dur="1" fill="hold">
+                                          <p:stCondLst>
+                                            <p:cond delay="0"/>
+                                          </p:stCondLst>
+                                        </p:cTn>
+                                        <p:tgtEl>
+                                          <p:spTgt spid="10"/>
+                                        </p:tgtEl>
+                                        <p:attrNameLst>
+                                          <p:attrName>style.visibility</p:attrName>
+                                        </p:attrNameLst>
+                                      </p:cBhvr>
+                                      <p:to>
+                                        <p:strVal val="hidden"/>
+                                      </p:to>
+                                    </p:set>
+                                  </p:childTnLst>
+                                </p:cTn>
+                              </p:par>
+                              <p:par>
+                                <p:cTn id="33" presetID="1" presetClass="exit" presetSubtype="0" fill="hold" nodeType="withEffect">
+                                  <p:stCondLst>
+                                    <p:cond delay="0"/>
+                                  </p:stCondLst>
+                                  <p:childTnLst>
+                                    <p:set>
+                                      <p:cBhvr>
+                                        <p:cTn id="34" dur="1" fill="hold">
+                                          <p:stCondLst>
+                                            <p:cond delay="0"/>
+                                          </p:stCondLst>
+                                        </p:cTn>
+                                        <p:tgtEl>
+                                          <p:spTgt spid="11"/>
+                                        </p:tgtEl>
+                                        <p:attrNameLst>
+                                          <p:attrName>style.visibility</p:attrName>
+                                        </p:attrNameLst>
+                                      </p:cBhvr>
+                                      <p:to>
+                                        <p:strVal val="hidden"/>
+                                      </p:to>
+                                    </p:set>
+                                  </p:childTnLst>
+                                </p:cTn>
+                              </p:par>
+                            </p:childTnLst>
+                          </p:cTn>
+                        </p:par>
+                      </p:childTnLst>
+                    </p:cTn>
+                  </p:par>
+                </p:childTnLst>
+              </p:cTn>
+              <p:prevCondLst>
+                <p:cond evt="onPrev" delay="0">
+                  <p:tgtEl>
+                    <p:sldTgt/>
+                  </p:tgtEl>
+                </p:cond>
+              </p:prevCondLst>
+              <p:nextCondLst>
+                <p:cond evt="onNext" delay="0">
+                  <p:tgtEl>
+                    <p:sldTgt/>
+                  </p:tgtEl>
+                </p:cond>
+              </p:nextCondLst>
+            </p:seq>
+          </p:childTnLst>
+        </p:cTn>
+      </p:par>
+    </p:tnLst>
+    <p:bldLst>
+      <p:bldP spid="2" grpId="0"/>
+      <p:bldP spid="2" grpId="1"/>
+      <p:bldP spid="8" grpId="0"/>
+      <p:bldP spid="8" grpId="1"/>
+      <p:bldP spid="10" grpId="0"/>
+      <p:bldP spid="10" grpId="1"/>
+    </p:bldLst>
+  </p:timing>
 </p:sld>
 </file>
 
@@ -6629,14 +7787,7 @@
                 <a:latin typeface="Times New Roman" pitchFamily="18" charset="0"/>
                 <a:cs typeface="Times New Roman" pitchFamily="18" charset="0"/>
               </a:rPr>
-              <a:t>COE </a:t>
-            </a:r>
-            <a:r>
-              <a:rPr lang="en-US" sz="2800" b="1" dirty="0">
-                <a:latin typeface="Times New Roman" pitchFamily="18" charset="0"/>
-                <a:cs typeface="Times New Roman" pitchFamily="18" charset="0"/>
-              </a:rPr>
-              <a:t>MODULE - EXPLANATION</a:t>
+              <a:t>COE MODULE - EXPLANATION</a:t>
             </a:r>
           </a:p>
         </p:txBody>
